--- a/SWP Dateien/Semester 2/Prasentation_SWP_IslandZombifiedSemester2.pptx
+++ b/SWP Dateien/Semester 2/Prasentation_SWP_IslandZombifiedSemester2.pptx
@@ -264,7 +264,7 @@
           <a:p>
             <a:fld id="{2395C5C9-164C-46B3-A87E-7660D39D3106}" type="datetime2">
               <a:rPr lang="en-US" smtClean="0"/>
-              <a:t>Tuesday, May 24, 2022</a:t>
+              <a:t>Wednesday, May 25, 2022</a:t>
             </a:fld>
             <a:endParaRPr lang="en-US" dirty="0"/>
           </a:p>
@@ -467,7 +467,7 @@
           <a:p>
             <a:fld id="{5B75179A-1E2B-41AB-B400-4F1B4022FAEE}" type="datetime2">
               <a:rPr lang="en-US" smtClean="0"/>
-              <a:t>Tuesday, May 24, 2022</a:t>
+              <a:t>Wednesday, May 25, 2022</a:t>
             </a:fld>
             <a:endParaRPr lang="en-US"/>
           </a:p>
@@ -680,7 +680,7 @@
           <a:p>
             <a:fld id="{05681D0F-6595-4F14-8EF3-954CD87C797B}" type="datetime2">
               <a:rPr lang="en-US" smtClean="0"/>
-              <a:t>Tuesday, May 24, 2022</a:t>
+              <a:t>Wednesday, May 25, 2022</a:t>
             </a:fld>
             <a:endParaRPr lang="en-US"/>
           </a:p>
@@ -882,7 +882,7 @@
           <a:p>
             <a:fld id="{4DDCFF8A-AAF8-4A12-8A91-9CA0EAF6CBB9}" type="datetime2">
               <a:rPr lang="en-US" smtClean="0"/>
-              <a:t>Tuesday, May 24, 2022</a:t>
+              <a:t>Wednesday, May 25, 2022</a:t>
             </a:fld>
             <a:endParaRPr lang="en-US" dirty="0"/>
           </a:p>
@@ -1161,7 +1161,7 @@
           <a:p>
             <a:fld id="{ABCC25C3-021A-4B0B-8F70-0C181FE1CF45}" type="datetime2">
               <a:rPr lang="en-US" smtClean="0"/>
-              <a:t>Tuesday, May 24, 2022</a:t>
+              <a:t>Wednesday, May 25, 2022</a:t>
             </a:fld>
             <a:endParaRPr lang="en-US"/>
           </a:p>
@@ -1421,7 +1421,7 @@
           <a:p>
             <a:fld id="{0C23D88D-8CEC-4ED9-A53B-5596187D9A16}" type="datetime2">
               <a:rPr lang="en-US" smtClean="0"/>
-              <a:t>Tuesday, May 24, 2022</a:t>
+              <a:t>Wednesday, May 25, 2022</a:t>
             </a:fld>
             <a:endParaRPr lang="en-US"/>
           </a:p>
@@ -1837,7 +1837,7 @@
           <a:p>
             <a:fld id="{D2CCD382-DFDA-4722-A27A-59C21AD112F2}" type="datetime2">
               <a:rPr lang="en-US" smtClean="0"/>
-              <a:t>Tuesday, May 24, 2022</a:t>
+              <a:t>Wednesday, May 25, 2022</a:t>
             </a:fld>
             <a:endParaRPr lang="en-US"/>
           </a:p>
@@ -1982,7 +1982,7 @@
           <a:p>
             <a:fld id="{22F2A30D-1C09-413F-AAB1-38F366000715}" type="datetime2">
               <a:rPr lang="en-US" smtClean="0"/>
-              <a:t>Tuesday, May 24, 2022</a:t>
+              <a:t>Wednesday, May 25, 2022</a:t>
             </a:fld>
             <a:endParaRPr lang="en-US"/>
           </a:p>
@@ -2104,7 +2104,7 @@
           <a:p>
             <a:fld id="{6DB82B9C-D65E-4F64-95C3-B10F3B00F0D9}" type="datetime2">
               <a:rPr lang="en-US" smtClean="0"/>
-              <a:t>Tuesday, May 24, 2022</a:t>
+              <a:t>Wednesday, May 25, 2022</a:t>
             </a:fld>
             <a:endParaRPr lang="en-US"/>
           </a:p>
@@ -2427,7 +2427,7 @@
           <a:p>
             <a:fld id="{B7F5FDCC-6AAC-4A08-B9E0-3793AB5E64C3}" type="datetime2">
               <a:rPr lang="en-US" smtClean="0"/>
-              <a:t>Tuesday, May 24, 2022</a:t>
+              <a:t>Wednesday, May 25, 2022</a:t>
             </a:fld>
             <a:endParaRPr lang="en-US"/>
           </a:p>
@@ -2715,7 +2715,7 @@
           <a:p>
             <a:fld id="{349FE94D-439C-40F1-900E-BC07940E3988}" type="datetime2">
               <a:rPr lang="en-US" smtClean="0"/>
-              <a:t>Tuesday, May 24, 2022</a:t>
+              <a:t>Wednesday, May 25, 2022</a:t>
             </a:fld>
             <a:endParaRPr lang="en-US"/>
           </a:p>
@@ -3003,7 +3003,7 @@
           <a:p>
             <a:fld id="{8DEA2CF1-0EB2-4673-802D-3371233E4A77}" type="datetime2">
               <a:rPr lang="en-US" smtClean="0"/>
-              <a:t>Tuesday, May 24, 2022</a:t>
+              <a:t>Wednesday, May 25, 2022</a:t>
             </a:fld>
             <a:endParaRPr lang="en-US" dirty="0"/>
           </a:p>
@@ -3835,7 +3835,16 @@
             </a:r>
           </a:p>
           <a:p>
-            <a:endParaRPr lang="de-AT" dirty="0"/>
+            <a:r>
+              <a:rPr lang="de-AT" dirty="0"/>
+              <a:t>https://www.dreamstime.com/work-progress-loading-bar-illustration-work-progress-loading-bar-illustration-image152656134</a:t>
+            </a:r>
+          </a:p>
+          <a:p>
+            <a:r>
+              <a:rPr lang="de-AT" dirty="0"/>
+              <a:t>https://tokpie.io/blog/tag/finished-campaigns/</a:t>
+            </a:r>
           </a:p>
         </p:txBody>
       </p:sp>
@@ -6466,18 +6475,12 @@
           </a:bodyPr>
           <a:lstStyle/>
           <a:p>
-            <a:endParaRPr lang="de-DE" dirty="0"/>
-          </a:p>
-          <a:p>
+            <a:pPr marL="457200" lvl="1" indent="0">
+              <a:buNone/>
+            </a:pPr>
             <a:r>
               <a:rPr lang="de-DE" dirty="0"/>
-              <a:t>Blender</a:t>
-            </a:r>
-          </a:p>
-          <a:p>
-            <a:r>
-              <a:rPr lang="de-DE" dirty="0"/>
-              <a:t>Unity</a:t>
+              <a:t>Fixed</a:t>
             </a:r>
           </a:p>
           <a:p>
@@ -6501,6 +6504,112 @@
             <a:r>
               <a:rPr lang="de-DE" dirty="0" err="1"/>
               <a:t>despawn</a:t>
+            </a:r>
+            <a:endParaRPr lang="de-DE" dirty="0"/>
+          </a:p>
+          <a:p>
+            <a:pPr lvl="1"/>
+            <a:r>
+              <a:rPr lang="de-DE" dirty="0"/>
+              <a:t>Default Animation </a:t>
+            </a:r>
+            <a:r>
+              <a:rPr lang="de-DE" dirty="0" err="1"/>
+              <a:t>didn‘t</a:t>
+            </a:r>
+            <a:r>
+              <a:rPr lang="de-DE" dirty="0"/>
+              <a:t> </a:t>
+            </a:r>
+            <a:r>
+              <a:rPr lang="de-DE" dirty="0" err="1"/>
+              <a:t>play</a:t>
+            </a:r>
+            <a:endParaRPr lang="de-DE" dirty="0"/>
+          </a:p>
+          <a:p>
+            <a:pPr marL="457200" lvl="1" indent="0">
+              <a:buNone/>
+            </a:pPr>
+            <a:endParaRPr lang="de-DE" dirty="0"/>
+          </a:p>
+          <a:p>
+            <a:pPr marL="457200" lvl="1" indent="0">
+              <a:buNone/>
+            </a:pPr>
+            <a:r>
+              <a:rPr lang="de-DE" dirty="0" err="1"/>
+              <a:t>To</a:t>
+            </a:r>
+            <a:r>
+              <a:rPr lang="de-DE" dirty="0"/>
+              <a:t> </a:t>
+            </a:r>
+            <a:r>
+              <a:rPr lang="de-DE" dirty="0" err="1"/>
+              <a:t>be</a:t>
+            </a:r>
+            <a:r>
+              <a:rPr lang="de-DE" dirty="0"/>
+              <a:t> </a:t>
+            </a:r>
+            <a:r>
+              <a:rPr lang="de-DE" dirty="0" err="1"/>
+              <a:t>fixed</a:t>
+            </a:r>
+            <a:endParaRPr lang="de-DE" dirty="0"/>
+          </a:p>
+          <a:p>
+            <a:pPr lvl="1"/>
+            <a:r>
+              <a:rPr lang="de-DE" dirty="0"/>
+              <a:t>Menu</a:t>
+            </a:r>
+          </a:p>
+          <a:p>
+            <a:pPr lvl="1"/>
+            <a:r>
+              <a:rPr lang="de-DE" dirty="0"/>
+              <a:t>Enemy Animation</a:t>
+            </a:r>
+          </a:p>
+          <a:p>
+            <a:pPr lvl="1"/>
+            <a:r>
+              <a:rPr lang="de-DE" dirty="0" err="1"/>
+              <a:t>Camera</a:t>
+            </a:r>
+            <a:r>
+              <a:rPr lang="de-DE" dirty="0"/>
+              <a:t> </a:t>
+            </a:r>
+            <a:r>
+              <a:rPr lang="de-DE" dirty="0" err="1"/>
+              <a:t>doesn‘t</a:t>
+            </a:r>
+            <a:r>
+              <a:rPr lang="de-DE" dirty="0"/>
+              <a:t> follow </a:t>
+            </a:r>
+            <a:r>
+              <a:rPr lang="de-DE" dirty="0" err="1"/>
+              <a:t>the</a:t>
+            </a:r>
+            <a:r>
+              <a:rPr lang="de-DE" dirty="0"/>
+              <a:t> </a:t>
+            </a:r>
+            <a:r>
+              <a:rPr lang="de-DE" dirty="0" err="1"/>
+              <a:t>player</a:t>
+            </a:r>
+            <a:r>
+              <a:rPr lang="de-DE" dirty="0"/>
+              <a:t> </a:t>
+            </a:r>
+            <a:r>
+              <a:rPr lang="de-DE" dirty="0" err="1"/>
+              <a:t>animation</a:t>
             </a:r>
             <a:endParaRPr lang="de-DE" dirty="0"/>
           </a:p>
@@ -6830,19 +6939,6 @@
           </a:p>
           <a:p>
             <a:r>
-              <a:rPr lang="de-DE" dirty="0"/>
-              <a:t>Blender</a:t>
-            </a:r>
-          </a:p>
-          <a:p>
-            <a:r>
-              <a:rPr lang="de-DE" dirty="0"/>
-              <a:t>Unity</a:t>
-            </a:r>
-          </a:p>
-          <a:p>
-            <a:pPr lvl="1"/>
-            <a:r>
               <a:rPr lang="de-DE" dirty="0" err="1"/>
               <a:t>Calculating</a:t>
             </a:r>
@@ -6865,6 +6961,25 @@
             <a:endParaRPr lang="de-DE" dirty="0"/>
           </a:p>
           <a:p>
+            <a:r>
+              <a:rPr lang="de-DE" dirty="0"/>
+              <a:t>Setting a </a:t>
+            </a:r>
+            <a:r>
+              <a:rPr lang="de-DE" dirty="0" err="1"/>
+              <a:t>default</a:t>
+            </a:r>
+            <a:r>
+              <a:rPr lang="de-DE" dirty="0"/>
+              <a:t> </a:t>
+            </a:r>
+            <a:r>
+              <a:rPr lang="de-DE" dirty="0" err="1"/>
+              <a:t>state</a:t>
+            </a:r>
+            <a:endParaRPr lang="de-DE" dirty="0"/>
+          </a:p>
+          <a:p>
             <a:pPr lvl="1"/>
             <a:endParaRPr lang="de-DE" dirty="0"/>
           </a:p>
@@ -6873,6 +6988,36 @@
           </a:p>
         </p:txBody>
       </p:sp>
+      <p:pic>
+        <p:nvPicPr>
+          <p:cNvPr id="5" name="Grafik 4">
+            <a:extLst>
+              <a:ext uri="{FF2B5EF4-FFF2-40B4-BE49-F238E27FC236}">
+                <a16:creationId xmlns:a16="http://schemas.microsoft.com/office/drawing/2014/main" id="{87304608-A456-A9EC-25CE-92D53960AF6C}"/>
+              </a:ext>
+            </a:extLst>
+          </p:cNvPr>
+          <p:cNvPicPr>
+            <a:picLocks noChangeAspect="1"/>
+          </p:cNvPicPr>
+          <p:nvPr/>
+        </p:nvPicPr>
+        <p:blipFill>
+          <a:blip r:embed="rId3"/>
+          <a:stretch>
+            <a:fillRect/>
+          </a:stretch>
+        </p:blipFill>
+        <p:spPr>
+          <a:xfrm>
+            <a:off x="6755806" y="3959236"/>
+            <a:ext cx="3124200" cy="381000"/>
+          </a:xfrm>
+          <a:prstGeom prst="rect">
+            <a:avLst/>
+          </a:prstGeom>
+        </p:spPr>
+      </p:pic>
     </p:spTree>
     <p:extLst>
       <p:ext uri="{BB962C8B-B14F-4D97-AF65-F5344CB8AC3E}">
@@ -7191,19 +7336,6 @@
           <a:p>
             <a:r>
               <a:rPr lang="de-DE" dirty="0"/>
-              <a:t>Blender</a:t>
-            </a:r>
-          </a:p>
-          <a:p>
-            <a:r>
-              <a:rPr lang="de-DE" dirty="0"/>
-              <a:t>Unity</a:t>
-            </a:r>
-          </a:p>
-          <a:p>
-            <a:pPr lvl="1"/>
-            <a:r>
-              <a:rPr lang="de-DE" dirty="0"/>
               <a:t>Enemy AI &amp; </a:t>
             </a:r>
             <a:r>
@@ -7213,7 +7345,6 @@
             <a:endParaRPr lang="de-DE" dirty="0"/>
           </a:p>
           <a:p>
-            <a:pPr lvl="1"/>
             <a:r>
               <a:rPr lang="de-DE" dirty="0" err="1"/>
               <a:t>Animations</a:t>
@@ -7221,7 +7352,6 @@
             <a:endParaRPr lang="de-DE" dirty="0"/>
           </a:p>
           <a:p>
-            <a:pPr lvl="1"/>
             <a:r>
               <a:rPr lang="de-DE" dirty="0" err="1"/>
               <a:t>Switchable</a:t>
@@ -7232,7 +7362,6 @@
             </a:r>
           </a:p>
           <a:p>
-            <a:pPr lvl="1"/>
             <a:r>
               <a:rPr lang="de-DE" dirty="0"/>
               <a:t>Fixed Bugs</a:t>
@@ -7287,7 +7416,7 @@
       </p:grpSpPr>
       <p:sp useBgFill="1">
         <p:nvSpPr>
-          <p:cNvPr id="71" name="Rectangle 70">
+          <p:cNvPr id="137" name="Rectangle 136">
             <a:extLst>
               <a:ext uri="{FF2B5EF4-FFF2-40B4-BE49-F238E27FC236}">
                 <a16:creationId xmlns:a16="http://schemas.microsoft.com/office/drawing/2014/main" id="{5ED9E2D9-EE69-4775-8CE5-9EAC35AD2F2E}"/>
@@ -7350,7 +7479,7 @@
       </p:sp>
       <p:sp>
         <p:nvSpPr>
-          <p:cNvPr id="73" name="Rectangle 72">
+          <p:cNvPr id="139" name="Rectangle 138">
             <a:extLst>
               <a:ext uri="{FF2B5EF4-FFF2-40B4-BE49-F238E27FC236}">
                 <a16:creationId xmlns:a16="http://schemas.microsoft.com/office/drawing/2014/main" id="{3D75B673-1FA7-415E-8B2E-7A0550C8BDDF}"/>
@@ -7459,10 +7588,10 @@
       </p:sp>
       <p:pic>
         <p:nvPicPr>
-          <p:cNvPr id="3074" name="Picture 2" descr="Finished Label Stock Illustrations – 1,849 Finished Label Stock  Illustrations, Vectors &amp; Clipart - Dreamstime">
+          <p:cNvPr id="1028" name="Picture 4" descr="Finished campaigns Archives - Tokpie Blog">
             <a:extLst>
               <a:ext uri="{FF2B5EF4-FFF2-40B4-BE49-F238E27FC236}">
-                <a16:creationId xmlns:a16="http://schemas.microsoft.com/office/drawing/2014/main" id="{C5F6A14E-4940-DB7A-216D-0232C6B1E478}"/>
+                <a16:creationId xmlns:a16="http://schemas.microsoft.com/office/drawing/2014/main" id="{EC3F243B-D51C-DC95-A861-1EC754E1D371}"/>
               </a:ext>
             </a:extLst>
           </p:cNvPr>
@@ -7479,7 +7608,7 @@
               </a:ext>
             </a:extLst>
           </a:blip>
-          <a:srcRect l="19156" r="19939" b="-1"/>
+          <a:srcRect l="15427" r="17213" b="2"/>
           <a:stretch/>
         </p:blipFill>
         <p:spPr bwMode="auto">
